--- a/ML_PLA/Machine_Learning_Introduction.pptx
+++ b/ML_PLA/Machine_Learning_Introduction.pptx
@@ -122,7 +122,7 @@
   </p:defaultTextStyle>
   <p:extLst>
     <p:ext uri="{EFAFB233-063F-42B5-8137-9DF3F51BA10A}">
-      <p15:sldGuideLst xmlns="" xmlns:p15="http://schemas.microsoft.com/office/powerpoint/2012/main">
+      <p15:sldGuideLst xmlns:p15="http://schemas.microsoft.com/office/powerpoint/2012/main" xmlns="">
         <p15:guide id="1" orient="horz" pos="2160">
           <p15:clr>
             <a:srgbClr val="A4A3A4"/>
@@ -10538,21 +10538,7 @@
                 <a:latin typeface="Times New Roman" panose="02020603050405020304" pitchFamily="18" charset="0"/>
                 <a:cs typeface="Times New Roman" panose="02020603050405020304" pitchFamily="18" charset="0"/>
               </a:rPr>
-              <a:t>Machine </a:t>
-            </a:r>
-            <a:r>
-              <a:rPr lang="en-US" altLang="zh-TW" dirty="0" smtClean="0">
-                <a:latin typeface="Times New Roman" panose="02020603050405020304" pitchFamily="18" charset="0"/>
-                <a:cs typeface="Times New Roman" panose="02020603050405020304" pitchFamily="18" charset="0"/>
-              </a:rPr>
-              <a:t>Learning (ML) </a:t>
-            </a:r>
-            <a:r>
-              <a:rPr lang="en-US" altLang="zh-TW" dirty="0" smtClean="0">
-                <a:latin typeface="Times New Roman" panose="02020603050405020304" pitchFamily="18" charset="0"/>
-                <a:cs typeface="Times New Roman" panose="02020603050405020304" pitchFamily="18" charset="0"/>
-              </a:rPr>
-              <a:t>Introduction</a:t>
+              <a:t>Machine Learning (ML) Introduction</a:t>
             </a:r>
             <a:endParaRPr lang="zh-TW" altLang="en-US" dirty="0">
               <a:latin typeface="Times New Roman" panose="02020603050405020304" pitchFamily="18" charset="0"/>
@@ -10782,7 +10768,6 @@
               <a:rPr lang="en-US" altLang="zh-TW" dirty="0" smtClean="0"/>
               <a:t>)</a:t>
             </a:r>
-            <a:endParaRPr lang="en-US" altLang="zh-TW" dirty="0" smtClean="0"/>
           </a:p>
           <a:p>
             <a:r>
@@ -10809,7 +10794,6 @@
               <a:rPr lang="en-US" altLang="zh-TW" dirty="0" smtClean="0"/>
               <a:t>…)</a:t>
             </a:r>
-            <a:endParaRPr lang="en-US" altLang="zh-TW" dirty="0" smtClean="0"/>
           </a:p>
           <a:p>
             <a:r>
@@ -10840,7 +10824,6 @@
               <a:rPr lang="en-US" altLang="zh-TW" dirty="0" smtClean="0"/>
               <a:t>)</a:t>
             </a:r>
-            <a:endParaRPr lang="en-US" altLang="zh-TW" dirty="0" smtClean="0"/>
           </a:p>
           <a:p>
             <a:r>
@@ -10855,7 +10838,6 @@
               <a:rPr lang="en-US" altLang="zh-TW" dirty="0" smtClean="0"/>
               <a:t>( support Linux, windows, MAC OS X…)</a:t>
             </a:r>
-            <a:endParaRPr lang="en-US" altLang="zh-TW" dirty="0" smtClean="0"/>
           </a:p>
           <a:p>
             <a:r>
@@ -10890,7 +10872,6 @@
               <a:rPr lang="en-US" altLang="zh-TW" dirty="0" smtClean="0"/>
               <a:t>)</a:t>
             </a:r>
-            <a:endParaRPr lang="en-US" altLang="zh-TW" dirty="0" smtClean="0"/>
           </a:p>
           <a:p>
             <a:pPr marL="0" indent="0">
@@ -16540,11 +16521,7 @@
           <a:p>
             <a:r>
               <a:rPr lang="zh-TW" altLang="en-US" dirty="0" smtClean="0"/>
-              <a:t>如何</a:t>
-            </a:r>
-            <a:r>
-              <a:rPr lang="zh-TW" altLang="en-US" dirty="0" smtClean="0"/>
-              <a:t>使用</a:t>
+              <a:t>如何使用</a:t>
             </a:r>
             <a:r>
               <a:rPr lang="en-US" altLang="zh-TW" dirty="0" smtClean="0"/>
@@ -16636,11 +16613,7 @@
             </a:r>
             <a:r>
               <a:rPr lang="en-US" altLang="zh-TW" dirty="0" smtClean="0"/>
-              <a:t>– </a:t>
-            </a:r>
-            <a:r>
-              <a:rPr lang="en-US" altLang="zh-TW" dirty="0" smtClean="0"/>
-              <a:t>Python</a:t>
+              <a:t>– Python</a:t>
             </a:r>
           </a:p>
           <a:p>
@@ -19201,6 +19174,68 @@
           </a:xfrm>
         </p:spPr>
       </p:pic>
+      <p:sp>
+        <p:nvSpPr>
+          <p:cNvPr id="9" name="文字方塊 8"/>
+          <p:cNvSpPr txBox="1"/>
+          <p:nvPr/>
+        </p:nvSpPr>
+        <p:spPr>
+          <a:xfrm>
+            <a:off x="761281" y="547778"/>
+            <a:ext cx="7776864" cy="338554"/>
+          </a:xfrm>
+          <a:prstGeom prst="rect">
+            <a:avLst/>
+          </a:prstGeom>
+          <a:noFill/>
+        </p:spPr>
+        <p:txBody>
+          <a:bodyPr wrap="square" rtlCol="0">
+            <a:spAutoFit/>
+          </a:bodyPr>
+          <a:lstStyle/>
+          <a:p>
+            <a:r>
+              <a:rPr lang="en-US" altLang="zh-TW" sz="1600" smtClean="0">
+                <a:solidFill>
+                  <a:schemeClr val="bg2"/>
+                </a:solidFill>
+              </a:rPr>
+              <a:t>PLA </a:t>
+            </a:r>
+            <a:r>
+              <a:rPr lang="zh-TW" altLang="en-US" sz="1600" smtClean="0">
+                <a:solidFill>
+                  <a:schemeClr val="bg2"/>
+                </a:solidFill>
+              </a:rPr>
+              <a:t>範例</a:t>
+            </a:r>
+            <a:r>
+              <a:rPr lang="zh-TW" altLang="en-US" sz="1600" dirty="0" smtClean="0">
+                <a:solidFill>
+                  <a:schemeClr val="bg2"/>
+                </a:solidFill>
+              </a:rPr>
+              <a:t>說明</a:t>
+            </a:r>
+            <a:r>
+              <a:rPr lang="en-US" altLang="zh-TW" sz="1600" dirty="0" smtClean="0">
+                <a:solidFill>
+                  <a:schemeClr val="bg2"/>
+                </a:solidFill>
+              </a:rPr>
+              <a:t>:</a:t>
+            </a:r>
+            <a:endParaRPr lang="zh-TW" altLang="en-US" sz="1200" dirty="0">
+              <a:solidFill>
+                <a:schemeClr val="bg2"/>
+              </a:solidFill>
+            </a:endParaRPr>
+          </a:p>
+        </p:txBody>
+      </p:sp>
     </p:spTree>
     <p:extLst>
       <p:ext uri="{BB962C8B-B14F-4D97-AF65-F5344CB8AC3E}">
@@ -19855,30 +19890,6 @@
           <a:chExt cx="0" cy="0"/>
         </a:xfrm>
       </p:grpSpPr>
-      <p:sp>
-        <p:nvSpPr>
-          <p:cNvPr id="2" name="標題 1"/>
-          <p:cNvSpPr>
-            <a:spLocks noGrp="1"/>
-          </p:cNvSpPr>
-          <p:nvPr>
-            <p:ph type="title"/>
-          </p:nvPr>
-        </p:nvSpPr>
-        <p:spPr>
-          <a:xfrm>
-            <a:off x="482602" y="111305"/>
-            <a:ext cx="8277225" cy="221352"/>
-          </a:xfrm>
-        </p:spPr>
-        <p:txBody>
-          <a:bodyPr/>
-          <a:lstStyle/>
-          <a:p>
-            <a:endParaRPr lang="zh-TW" altLang="en-US" dirty="0"/>
-          </a:p>
-        </p:txBody>
-      </p:sp>
       <p:pic>
         <p:nvPicPr>
           <p:cNvPr id="10" name="圖片 9"/>
@@ -20765,30 +20776,6 @@
           <a:chExt cx="0" cy="0"/>
         </a:xfrm>
       </p:grpSpPr>
-      <p:sp>
-        <p:nvSpPr>
-          <p:cNvPr id="2" name="標題 1"/>
-          <p:cNvSpPr>
-            <a:spLocks noGrp="1"/>
-          </p:cNvSpPr>
-          <p:nvPr>
-            <p:ph type="title"/>
-          </p:nvPr>
-        </p:nvSpPr>
-        <p:spPr>
-          <a:xfrm>
-            <a:off x="482602" y="111305"/>
-            <a:ext cx="8277225" cy="221352"/>
-          </a:xfrm>
-        </p:spPr>
-        <p:txBody>
-          <a:bodyPr/>
-          <a:lstStyle/>
-          <a:p>
-            <a:endParaRPr lang="zh-TW" altLang="en-US" dirty="0"/>
-          </a:p>
-        </p:txBody>
-      </p:sp>
       <p:sp>
         <p:nvSpPr>
           <p:cNvPr id="15" name="文字方塊 14"/>
